--- a/Milestone Two.pptx
+++ b/Milestone Two.pptx
@@ -1922,6 +1922,13 @@
         </dgm:presLayoutVars>
       </dgm:prSet>
       <dgm:spPr/>
+      <dgm:t>
+        <a:bodyPr/>
+        <a:lstStyle/>
+        <a:p>
+          <a:endParaRPr lang="de-DE"/>
+        </a:p>
+      </dgm:t>
     </dgm:pt>
     <dgm:pt modelId="{29E9A90F-6468-4119-92AB-7E50D8B1E010}" type="pres">
       <dgm:prSet presAssocID="{7C996FE1-C032-4E96-9F6A-13AC9DD15969}" presName="desTx" presStyleLbl="alignAccFollowNode1" presStyleIdx="5" presStyleCnt="7">
@@ -1948,6 +1955,13 @@
         </dgm:presLayoutVars>
       </dgm:prSet>
       <dgm:spPr/>
+      <dgm:t>
+        <a:bodyPr/>
+        <a:lstStyle/>
+        <a:p>
+          <a:endParaRPr lang="de-DE"/>
+        </a:p>
+      </dgm:t>
     </dgm:pt>
     <dgm:pt modelId="{CDB21763-E38C-4308-BF83-AF94D917BE3C}" type="pres">
       <dgm:prSet presAssocID="{FE503795-E64C-434E-B969-D5B6B8A15E93}" presName="desTx" presStyleLbl="alignAccFollowNode1" presStyleIdx="6" presStyleCnt="7">
@@ -10657,10 +10671,6 @@
               <a:rPr lang="de-DE" dirty="0" smtClean="0"/>
               <a:t>27.03.2015</a:t>
             </a:r>
-            <a:r>
-              <a:rPr lang="de-DE" dirty="0" smtClean="0"/>
-              <a:t/>
-            </a:r>
             <a:br>
               <a:rPr lang="de-DE" dirty="0" smtClean="0"/>
             </a:br>
@@ -11012,7 +11022,6 @@
               <a:rPr lang="de-DE" dirty="0" smtClean="0"/>
               <a:t>Filter für mehrere Personen</a:t>
             </a:r>
-            <a:endParaRPr lang="de-DE" dirty="0" smtClean="0"/>
           </a:p>
           <a:p>
             <a:r>
@@ -11367,7 +11376,6 @@
               <a:rPr lang="de-DE" dirty="0" smtClean="0"/>
               <a:t>Handytracking</a:t>
             </a:r>
-            <a:endParaRPr lang="de-DE" dirty="0" smtClean="0"/>
           </a:p>
         </p:txBody>
       </p:sp>
@@ -11453,28 +11461,33 @@
           <a:p>
             <a:r>
               <a:rPr lang="de-DE" dirty="0" smtClean="0"/>
-              <a:t>GIT (</a:t>
-            </a:r>
+              <a:t>Häufige </a:t>
+            </a:r>
+            <a:r>
+              <a:rPr lang="de-DE" dirty="0" smtClean="0"/>
+              <a:t>Umstrukturierung von Klassen (zusammenfassen, auseinandernehmen)</a:t>
+            </a:r>
+          </a:p>
+          <a:p>
+            <a:r>
+              <a:rPr lang="de-DE" dirty="0" smtClean="0"/>
+              <a:t>Nicht eindeutiger </a:t>
+            </a:r>
+            <a:r>
+              <a:rPr lang="de-DE" dirty="0" smtClean="0"/>
+              <a:t>Dokumentationsstil</a:t>
+            </a:r>
+          </a:p>
+          <a:p>
             <a:r>
               <a:rPr lang="de-DE" dirty="0" err="1" smtClean="0"/>
-              <a:t>merge</a:t>
+              <a:t>Trello</a:t>
             </a:r>
             <a:r>
               <a:rPr lang="de-DE" dirty="0" smtClean="0"/>
-              <a:t>)</a:t>
-            </a:r>
-          </a:p>
-          <a:p>
-            <a:r>
-              <a:rPr lang="de-DE" dirty="0" smtClean="0"/>
-              <a:t>Häufige Umstrukturierung von Klassen (zusammenfassen, auseinandernehmen)</a:t>
-            </a:r>
-          </a:p>
-          <a:p>
-            <a:r>
-              <a:rPr lang="de-DE" dirty="0" smtClean="0"/>
-              <a:t>Nicht eindeutiger Dokumentationsstil</a:t>
-            </a:r>
+              <a:t> zum Wust angewachsen</a:t>
+            </a:r>
+            <a:endParaRPr lang="de-DE" dirty="0" smtClean="0"/>
           </a:p>
           <a:p>
             <a:endParaRPr lang="de-DE" dirty="0" smtClean="0"/>
@@ -11618,13 +11631,13 @@
   <p:clrMapOvr>
     <a:masterClrMapping/>
   </p:clrMapOvr>
-  <mc:AlternateContent xmlns:mc="http://schemas.openxmlformats.org/markup-compatibility/2006">
-    <mc:Choice xmlns:p14="http://schemas.microsoft.com/office/powerpoint/2010/main" Requires="p14">
+  <mc:AlternateContent xmlns:mc="http://schemas.openxmlformats.org/markup-compatibility/2006" xmlns:p14="http://schemas.microsoft.com/office/powerpoint/2010/main">
+    <mc:Choice Requires="p14">
       <p:transition spd="slow" p14:dur="800">
         <p14:flythrough/>
       </p:transition>
     </mc:Choice>
-    <mc:Fallback>
+    <mc:Fallback xmlns="">
       <p:transition spd="slow">
         <p:fade/>
       </p:transition>
@@ -12072,8 +12085,21 @@
           <a:p>
             <a:r>
               <a:rPr lang="de-DE" dirty="0" smtClean="0"/>
-              <a:t>Einfaches Standardbeispiel</a:t>
-            </a:r>
+              <a:t>Einfaches </a:t>
+            </a:r>
+            <a:r>
+              <a:rPr lang="de-DE" dirty="0" smtClean="0"/>
+              <a:t>Standardbeispiel (</a:t>
+            </a:r>
+            <a:r>
+              <a:rPr lang="de-DE" dirty="0" err="1" smtClean="0"/>
+              <a:t>dynamisch&amp;standard</a:t>
+            </a:r>
+            <a:r>
+              <a:rPr lang="de-DE" dirty="0" smtClean="0"/>
+              <a:t>)</a:t>
+            </a:r>
+            <a:endParaRPr lang="de-DE" dirty="0" smtClean="0"/>
           </a:p>
           <a:p>
             <a:r>
@@ -12178,11 +12204,7 @@
           <a:p>
             <a:r>
               <a:rPr lang="de-DE" dirty="0" smtClean="0"/>
-              <a:t>Was </a:t>
-            </a:r>
-            <a:r>
-              <a:rPr lang="de-DE" dirty="0" smtClean="0"/>
-              <a:t>steht noch an?</a:t>
+              <a:t>Was steht noch an?</a:t>
             </a:r>
             <a:endParaRPr lang="de-DE" dirty="0"/>
           </a:p>
@@ -12209,19 +12231,24 @@
             </a:r>
             <a:r>
               <a:rPr lang="de-DE" dirty="0" smtClean="0"/>
-              <a:t> in Library einbinden</a:t>
-            </a:r>
+              <a:t> in Library </a:t>
+            </a:r>
+            <a:r>
+              <a:rPr lang="de-DE" dirty="0" smtClean="0"/>
+              <a:t>einbinden</a:t>
+            </a:r>
+          </a:p>
+          <a:p>
+            <a:r>
+              <a:rPr lang="de-DE" dirty="0" smtClean="0"/>
+              <a:t>Karte und GUI verschönern</a:t>
+            </a:r>
+            <a:endParaRPr lang="de-DE" dirty="0" smtClean="0"/>
           </a:p>
           <a:p>
             <a:r>
               <a:rPr lang="de-DE" dirty="0" smtClean="0"/>
               <a:t>Umsetzung Beispiele 7, 9-11, Spieleerweiterung</a:t>
-            </a:r>
-          </a:p>
-          <a:p>
-            <a:r>
-              <a:rPr lang="de-DE" dirty="0" smtClean="0"/>
-              <a:t>Export</a:t>
             </a:r>
           </a:p>
           <a:p>
@@ -12689,7 +12716,6 @@
               <a:rPr lang="de-DE" dirty="0" smtClean="0"/>
               <a:t>Beispiele</a:t>
             </a:r>
-            <a:endParaRPr lang="de-DE" dirty="0" smtClean="0"/>
           </a:p>
         </p:txBody>
       </p:sp>
